--- a/PPT/ch8 모듈 패키지 배포.pptx
+++ b/PPT/ch8 모듈 패키지 배포.pptx
@@ -2,7 +2,7 @@
 <file path=ppt/presentation.xml><?xml version="1.0" encoding="utf-8"?>
 <p:presentation xmlns:r="http://schemas.openxmlformats.org/officeDocument/2006/relationships" xmlns:c="http://schemas.openxmlformats.org/drawingml/2006/chart" xmlns:a="http://schemas.openxmlformats.org/drawingml/2006/main" xmlns:dgm="http://schemas.openxmlformats.org/drawingml/2006/diagram" xmlns:dsp="http://schemas.microsoft.com/office/drawing/2008/diagram" xmlns:p="http://schemas.openxmlformats.org/presentationml/2006/main" saveSubsetFonts="1">
   <p:sldMasterIdLst>
-    <p:sldMasterId id="2147483702" r:id="rId1"/>
+    <p:sldMasterId id="2147483663" r:id="rId1"/>
   </p:sldMasterIdLst>
   <p:notesMasterIdLst>
     <p:notesMasterId r:id="rId2"/>
@@ -227,7 +227,7 @@
               <a:pPr lvl="0">
                 <a:defRPr lang="ko-KR" altLang="en-US"/>
               </a:pPr>
-              <a:t>2016-01-19</a:t>
+              <a:t>2016-01-21</a:t>
             </a:fld>
             <a:endParaRPr lang="ko-KR" altLang="en-US"/>
           </a:p>
@@ -10048,7 +10048,7 @@
         <p:spPr>
           <a:xfrm>
             <a:off x="1109370" y="1383925"/>
-            <a:ext cx="8192744" cy="642995"/>
+            <a:ext cx="8192745" cy="642995"/>
           </a:xfrm>
           <a:prstGeom prst="rect">
             <a:avLst/>
@@ -10341,8 +10341,8 @@
         </p:nvSpPr>
         <p:spPr>
           <a:xfrm>
-            <a:off x="1086966" y="5216338"/>
-            <a:ext cx="6240112" cy="363407"/>
+            <a:off x="1086963" y="5216338"/>
+            <a:ext cx="11844177" cy="363407"/>
           </a:xfrm>
           <a:prstGeom prst="rect">
             <a:avLst/>
@@ -10358,7 +10358,15 @@
             </a:pPr>
             <a:r>
               <a:rPr lang="ko-KR" altLang="en-US"/>
-              <a:t>3. 다음과 같은 명령을 입력하면 소스 배포본이 만들어진다.</a:t>
+              <a:t>3. (커멘드 창에서 </a:t>
+            </a:r>
+            <a:r>
+              <a:rPr lang="en-US" altLang="ko-KR"/>
+              <a:t>setup.py</a:t>
+            </a:r>
+            <a:r>
+              <a:rPr lang="ko-KR" altLang="en-US"/>
+              <a:t>가 있는 해당 디렉토리로 가서)다음과 같은 명령을 입력하면 소스 배포본이 만들어진다.</a:t>
             </a:r>
             <a:endParaRPr lang="ko-KR" altLang="en-US"/>
           </a:p>
@@ -10434,7 +10442,7 @@
         <p:spPr>
           <a:xfrm>
             <a:off x="1176608" y="6325720"/>
-            <a:ext cx="10268631" cy="358925"/>
+            <a:ext cx="10268632" cy="358925"/>
           </a:xfrm>
           <a:prstGeom prst="rect">
             <a:avLst/>
@@ -10865,7 +10873,7 @@
         <p:spPr>
           <a:xfrm>
             <a:off x="5266763" y="2919132"/>
-            <a:ext cx="1873737" cy="365088"/>
+            <a:ext cx="1873736" cy="365088"/>
           </a:xfrm>
           <a:prstGeom prst="rect">
             <a:avLst/>
@@ -10896,7 +10904,7 @@
         <p:spPr>
           <a:xfrm>
             <a:off x="5289175" y="3429000"/>
-            <a:ext cx="1873737" cy="365088"/>
+            <a:ext cx="1873736" cy="365088"/>
           </a:xfrm>
           <a:prstGeom prst="rect">
             <a:avLst/>
@@ -11078,7 +11086,7 @@
         <p:spPr>
           <a:xfrm>
             <a:off x="1137398" y="2117912"/>
-            <a:ext cx="2881031" cy="1311088"/>
+            <a:ext cx="8786531" cy="1591235"/>
           </a:xfrm>
           <a:prstGeom prst="rect">
             <a:avLst/>
@@ -11120,6 +11128,28 @@
               </a:rPr>
               <a:t>unzip spam -1.0.zip</a:t>
             </a:r>
+            <a:r>
+              <a:rPr lang="ko-KR" altLang="en-US" sz="1500">
+                <a:solidFill>
+                  <a:schemeClr val="tx1"/>
+                </a:solidFill>
+                <a:latin typeface="DejaVu Sans Mono"/>
+                <a:cs typeface="DejaVu Sans Mono"/>
+              </a:rPr>
+              <a:t> # 압축을 푼다</a:t>
+            </a:r>
+            <a:endParaRPr lang="ko-KR" altLang="en-US" sz="1500">
+              <a:solidFill>
+                <a:schemeClr val="tx1"/>
+              </a:solidFill>
+              <a:latin typeface="DejaVu Sans Mono"/>
+              <a:cs typeface="DejaVu Sans Mono"/>
+            </a:endParaRPr>
+          </a:p>
+          <a:p>
+            <a:pPr lvl="0">
+              <a:defRPr lang="ko-KR" altLang="en-US"/>
+            </a:pPr>
             <a:endParaRPr lang="en-US" altLang="ko-KR" sz="1500">
               <a:solidFill>
                 <a:schemeClr val="tx1"/>
@@ -11132,18 +11162,6 @@
             <a:pPr lvl="0">
               <a:defRPr lang="ko-KR" altLang="en-US"/>
             </a:pPr>
-            <a:endParaRPr lang="en-US" altLang="ko-KR" sz="1500">
-              <a:solidFill>
-                <a:schemeClr val="tx1"/>
-              </a:solidFill>
-              <a:latin typeface="DejaVu Sans Mono"/>
-              <a:cs typeface="DejaVu Sans Mono"/>
-            </a:endParaRPr>
-          </a:p>
-          <a:p>
-            <a:pPr lvl="0">
-              <a:defRPr lang="ko-KR" altLang="en-US"/>
-            </a:pPr>
             <a:r>
               <a:rPr lang="en-US" altLang="ko-KR" sz="1500">
                 <a:solidFill>
@@ -11154,18 +11172,16 @@
               </a:rPr>
               <a:t>cd spam-1.0</a:t>
             </a:r>
-            <a:endParaRPr lang="en-US" altLang="ko-KR" sz="1500">
-              <a:solidFill>
-                <a:schemeClr val="tx1"/>
-              </a:solidFill>
-              <a:latin typeface="DejaVu Sans Mono"/>
-              <a:cs typeface="DejaVu Sans Mono"/>
-            </a:endParaRPr>
-          </a:p>
-          <a:p>
-            <a:pPr lvl="0">
-              <a:defRPr lang="ko-KR" altLang="en-US"/>
-            </a:pPr>
+            <a:r>
+              <a:rPr lang="ko-KR" altLang="en-US" sz="1500">
+                <a:solidFill>
+                  <a:schemeClr val="tx1"/>
+                </a:solidFill>
+                <a:latin typeface="DejaVu Sans Mono"/>
+                <a:cs typeface="DejaVu Sans Mono"/>
+              </a:rPr>
+              <a:t> # </a:t>
+            </a:r>
             <a:r>
               <a:rPr lang="en-US" altLang="ko-KR" sz="1500">
                 <a:solidFill>
@@ -11174,9 +11190,63 @@
                 <a:latin typeface="DejaVu Sans Mono"/>
                 <a:cs typeface="DejaVu Sans Mono"/>
               </a:rPr>
+              <a:t>setup.py</a:t>
+            </a:r>
+            <a:r>
+              <a:rPr lang="ko-KR" altLang="en-US" sz="1500">
+                <a:solidFill>
+                  <a:schemeClr val="tx1"/>
+                </a:solidFill>
+                <a:latin typeface="DejaVu Sans Mono"/>
+                <a:cs typeface="DejaVu Sans Mono"/>
+              </a:rPr>
+              <a:t>파일이 있는 디렉토리로 이동한다.</a:t>
+            </a:r>
+            <a:endParaRPr lang="ko-KR" altLang="en-US" sz="1500">
+              <a:solidFill>
+                <a:schemeClr val="tx1"/>
+              </a:solidFill>
+              <a:latin typeface="DejaVu Sans Mono"/>
+              <a:cs typeface="DejaVu Sans Mono"/>
+            </a:endParaRPr>
+          </a:p>
+          <a:p>
+            <a:pPr lvl="0">
+              <a:defRPr lang="ko-KR" altLang="en-US"/>
+            </a:pPr>
+            <a:endParaRPr lang="ko-KR" altLang="en-US" sz="1500">
+              <a:solidFill>
+                <a:schemeClr val="tx1"/>
+              </a:solidFill>
+              <a:latin typeface="DejaVu Sans Mono"/>
+              <a:cs typeface="DejaVu Sans Mono"/>
+            </a:endParaRPr>
+          </a:p>
+          <a:p>
+            <a:pPr lvl="0">
+              <a:defRPr lang="ko-KR" altLang="en-US"/>
+            </a:pPr>
+            <a:r>
+              <a:rPr lang="en-US" altLang="ko-KR" sz="1500">
+                <a:solidFill>
+                  <a:schemeClr val="tx1"/>
+                </a:solidFill>
+                <a:latin typeface="DejaVu Sans Mono"/>
+                <a:cs typeface="DejaVu Sans Mono"/>
+              </a:rPr>
               <a:t>python setup.py install</a:t>
             </a:r>
-            <a:endParaRPr lang="en-US" altLang="ko-KR" sz="1500">
+            <a:r>
+              <a:rPr lang="ko-KR" altLang="en-US" sz="1500">
+                <a:solidFill>
+                  <a:schemeClr val="tx1"/>
+                </a:solidFill>
+                <a:latin typeface="DejaVu Sans Mono"/>
+                <a:cs typeface="DejaVu Sans Mono"/>
+              </a:rPr>
+              <a:t>  </a:t>
+            </a:r>
+            <a:endParaRPr lang="ko-KR" altLang="en-US" sz="1500">
               <a:solidFill>
                 <a:schemeClr val="tx1"/>
               </a:solidFill>
